--- a/WSC79-81_211121.pptx
+++ b/WSC79-81_211121.pptx
@@ -16,13 +16,13 @@
     <p:sldId id="408" r:id="rId7"/>
     <p:sldId id="394" r:id="rId8"/>
     <p:sldId id="402" r:id="rId9"/>
-    <p:sldId id="396" r:id="rId10"/>
-    <p:sldId id="393" r:id="rId11"/>
-    <p:sldId id="399" r:id="rId12"/>
-    <p:sldId id="415" r:id="rId13"/>
-    <p:sldId id="403" r:id="rId14"/>
-    <p:sldId id="400" r:id="rId15"/>
-    <p:sldId id="401" r:id="rId16"/>
+    <p:sldId id="400" r:id="rId10"/>
+    <p:sldId id="401" r:id="rId11"/>
+    <p:sldId id="396" r:id="rId12"/>
+    <p:sldId id="393" r:id="rId13"/>
+    <p:sldId id="399" r:id="rId14"/>
+    <p:sldId id="415" r:id="rId15"/>
+    <p:sldId id="403" r:id="rId16"/>
     <p:sldId id="404" r:id="rId17"/>
     <p:sldId id="405" r:id="rId18"/>
     <p:sldId id="407" r:id="rId19"/>
@@ -220,7 +220,7 @@
           <a:p>
             <a:fld id="{AF5AD02D-5B64-44C4-B328-4A397A988A49}" type="datetimeFigureOut">
               <a:rPr lang="en-US"/>
-              <a:t>11/18/2021</a:t>
+              <a:t>11/20/2021</a:t>
             </a:fld>
             <a:endParaRPr lang="en-US"/>
           </a:p>
@@ -809,74 +809,54 @@
         <p:nvSpPr>
           <p:cNvPr id="2" name="Slide Image Placeholder 1"/>
           <p:cNvSpPr>
-            <a:spLocks noGrp="1" noRot="1" noChangeAspect="1" noEditPoints="1"/>
+            <a:spLocks noGrp="1" noRot="1" noChangeAspect="1"/>
           </p:cNvSpPr>
           <p:nvPr>
             <p:ph type="sldImg"/>
           </p:nvPr>
         </p:nvSpPr>
-        <p:spPr>
-          <a:xfrm>
-            <a:off x="685800" y="1143000"/>
-            <a:ext cx="5486400" cy="3086100"/>
-          </a:xfrm>
-          <a:prstGeom prst="rect">
-            <a:avLst/>
-          </a:prstGeom>
-        </p:spPr>
+        <p:spPr/>
+      </p:sp>
+      <p:sp>
+        <p:nvSpPr>
+          <p:cNvPr id="3" name="Notes Placeholder 2"/>
+          <p:cNvSpPr>
+            <a:spLocks noGrp="1"/>
+          </p:cNvSpPr>
+          <p:nvPr>
+            <p:ph type="body" idx="1"/>
+          </p:nvPr>
+        </p:nvSpPr>
+        <p:spPr/>
         <p:txBody>
           <a:bodyPr/>
           <a:lstStyle/>
           <a:p>
-            <a:endParaRPr/>
-          </a:p>
-        </p:txBody>
-      </p:sp>
-      <p:sp>
-        <p:nvSpPr>
-          <p:cNvPr id="3" name="Text Placeholder 2"/>
-          <p:cNvSpPr>
-            <a:spLocks noGrp="1" noEditPoints="1"/>
-          </p:cNvSpPr>
-          <p:nvPr>
-            <p:ph type="body" idx="3"/>
-          </p:nvPr>
-        </p:nvSpPr>
-        <p:spPr>
-          <a:prstGeom prst="rect">
-            <a:avLst/>
-          </a:prstGeom>
-        </p:spPr>
+            <a:r>
+              <a:rPr lang="en-US" dirty="0"/>
+              <a:t>Envy, parading itself, not puffed up, seeking its own; all these things are selfish qualities.</a:t>
+            </a:r>
+          </a:p>
+        </p:txBody>
+      </p:sp>
+      <p:sp>
+        <p:nvSpPr>
+          <p:cNvPr id="4" name="Slide Number Placeholder 3"/>
+          <p:cNvSpPr>
+            <a:spLocks noGrp="1"/>
+          </p:cNvSpPr>
+          <p:nvPr>
+            <p:ph type="sldNum" sz="quarter" idx="5"/>
+          </p:nvPr>
+        </p:nvSpPr>
+        <p:spPr/>
         <p:txBody>
           <a:bodyPr/>
           <a:lstStyle/>
           <a:p>
-            <a:endParaRPr lang="en-US"/>
-          </a:p>
-        </p:txBody>
-      </p:sp>
-      <p:sp>
-        <p:nvSpPr>
-          <p:cNvPr id="4" name="Slide Number Placeholder 3"/>
-          <p:cNvSpPr>
-            <a:spLocks noGrp="1" noEditPoints="1"/>
-          </p:cNvSpPr>
-          <p:nvPr>
-            <p:ph type="sldNum" sz="quarter" idx="5"/>
-          </p:nvPr>
-        </p:nvSpPr>
-        <p:spPr>
-          <a:prstGeom prst="rect">
-            <a:avLst/>
-          </a:prstGeom>
-        </p:spPr>
-        <p:txBody>
-          <a:bodyPr/>
-          <a:lstStyle/>
-          <a:p>
-            <a:fld id="{EFD74D62-D73B-4690-B210-E83862395C1B}" type="slidenum">
+            <a:fld id="{9E7769D8-1928-440E-AE76-2E3BBDEA4ABE}" type="slidenum">
               <a:rPr lang="en-US" smtClean="0"/>
-              <a:t>16</a:t>
+              <a:t>6</a:t>
             </a:fld>
             <a:endParaRPr lang="en-US"/>
           </a:p>
@@ -885,7 +865,7 @@
     </p:spTree>
     <p:extLst>
       <p:ext uri="{BB962C8B-B14F-4D97-AF65-F5344CB8AC3E}">
-        <p14:creationId xmlns:p14="http://schemas.microsoft.com/office/powerpoint/2010/main" val="1003546298"/>
+        <p14:creationId xmlns:p14="http://schemas.microsoft.com/office/powerpoint/2010/main" val="1793173434"/>
       </p:ext>
     </p:extLst>
   </p:cSld>
@@ -916,6 +896,231 @@
         <p:nvSpPr>
           <p:cNvPr id="2" name="Slide Image Placeholder 1"/>
           <p:cNvSpPr>
+            <a:spLocks noGrp="1" noRot="1" noChangeAspect="1"/>
+          </p:cNvSpPr>
+          <p:nvPr>
+            <p:ph type="sldImg"/>
+          </p:nvPr>
+        </p:nvSpPr>
+        <p:spPr/>
+      </p:sp>
+      <p:sp>
+        <p:nvSpPr>
+          <p:cNvPr id="3" name="Notes Placeholder 2"/>
+          <p:cNvSpPr>
+            <a:spLocks noGrp="1"/>
+          </p:cNvSpPr>
+          <p:nvPr>
+            <p:ph type="body" idx="1"/>
+          </p:nvPr>
+        </p:nvSpPr>
+        <p:spPr/>
+        <p:txBody>
+          <a:bodyPr/>
+          <a:lstStyle/>
+          <a:p>
+            <a:r>
+              <a:rPr lang="en-US" dirty="0"/>
+              <a:t>Trafficking in sin: </a:t>
+            </a:r>
+            <a:r>
+              <a:rPr lang="en-US" dirty="0" err="1"/>
+              <a:t>Szabolcs</a:t>
+            </a:r>
+            <a:r>
+              <a:rPr lang="en-US" dirty="0"/>
+              <a:t> </a:t>
+            </a:r>
+            <a:r>
+              <a:rPr lang="en-US" dirty="0" err="1"/>
+              <a:t>Baader</a:t>
+            </a:r>
+            <a:endParaRPr lang="en-US" dirty="0"/>
+          </a:p>
+          <a:p>
+            <a:r>
+              <a:rPr lang="en-US" dirty="0"/>
+              <a:t>Cutting off the right hand: some church fathers took this to the literal extreme.</a:t>
+            </a:r>
+          </a:p>
+          <a:p>
+            <a:r>
+              <a:rPr lang="en-US" dirty="0"/>
+              <a:t>The “right hand” is something that you do in act and deed. It means taking any practical course of action to isolate yourself from committing the sin:</a:t>
+            </a:r>
+          </a:p>
+          <a:p>
+            <a:r>
+              <a:rPr lang="en-US" dirty="0"/>
+              <a:t>a. Throw out your tv, b. have your spouse shop for food if you eat bad food</a:t>
+            </a:r>
+          </a:p>
+        </p:txBody>
+      </p:sp>
+      <p:sp>
+        <p:nvSpPr>
+          <p:cNvPr id="4" name="Slide Number Placeholder 3"/>
+          <p:cNvSpPr>
+            <a:spLocks noGrp="1"/>
+          </p:cNvSpPr>
+          <p:nvPr>
+            <p:ph type="sldNum" sz="quarter" idx="5"/>
+          </p:nvPr>
+        </p:nvSpPr>
+        <p:spPr/>
+        <p:txBody>
+          <a:bodyPr/>
+          <a:lstStyle/>
+          <a:p>
+            <a:fld id="{9E7769D8-1928-440E-AE76-2E3BBDEA4ABE}" type="slidenum">
+              <a:rPr lang="en-US" smtClean="0"/>
+              <a:t>14</a:t>
+            </a:fld>
+            <a:endParaRPr lang="en-US"/>
+          </a:p>
+        </p:txBody>
+      </p:sp>
+    </p:spTree>
+    <p:extLst>
+      <p:ext uri="{BB962C8B-B14F-4D97-AF65-F5344CB8AC3E}">
+        <p14:creationId xmlns:p14="http://schemas.microsoft.com/office/powerpoint/2010/main" val="3785663729"/>
+      </p:ext>
+    </p:extLst>
+  </p:cSld>
+  <p:clrMapOvr>
+    <a:masterClrMapping/>
+  </p:clrMapOvr>
+</p:notes>
+</file>
+
+<file path=ppt/notesSlides/notesSlide6.xml><?xml version="1.0" encoding="utf-8"?>
+<p:notes xmlns:a="http://schemas.openxmlformats.org/drawingml/2006/main" xmlns:r="http://schemas.openxmlformats.org/officeDocument/2006/relationships" xmlns:p="http://schemas.openxmlformats.org/presentationml/2006/main">
+  <p:cSld>
+    <p:spTree>
+      <p:nvGrpSpPr>
+        <p:cNvPr id="1" name=""/>
+        <p:cNvGrpSpPr/>
+        <p:nvPr/>
+      </p:nvGrpSpPr>
+      <p:grpSpPr>
+        <a:xfrm>
+          <a:off x="0" y="0"/>
+          <a:ext cx="0" cy="0"/>
+          <a:chOff x="0" y="0"/>
+          <a:chExt cx="0" cy="0"/>
+        </a:xfrm>
+      </p:grpSpPr>
+      <p:sp>
+        <p:nvSpPr>
+          <p:cNvPr id="2" name="Slide Image Placeholder 1"/>
+          <p:cNvSpPr>
+            <a:spLocks noGrp="1" noRot="1" noChangeAspect="1" noEditPoints="1"/>
+          </p:cNvSpPr>
+          <p:nvPr>
+            <p:ph type="sldImg"/>
+          </p:nvPr>
+        </p:nvSpPr>
+        <p:spPr>
+          <a:xfrm>
+            <a:off x="685800" y="1143000"/>
+            <a:ext cx="5486400" cy="3086100"/>
+          </a:xfrm>
+          <a:prstGeom prst="rect">
+            <a:avLst/>
+          </a:prstGeom>
+        </p:spPr>
+        <p:txBody>
+          <a:bodyPr/>
+          <a:lstStyle/>
+          <a:p>
+            <a:endParaRPr/>
+          </a:p>
+        </p:txBody>
+      </p:sp>
+      <p:sp>
+        <p:nvSpPr>
+          <p:cNvPr id="3" name="Text Placeholder 2"/>
+          <p:cNvSpPr>
+            <a:spLocks noGrp="1" noEditPoints="1"/>
+          </p:cNvSpPr>
+          <p:nvPr>
+            <p:ph type="body" idx="3"/>
+          </p:nvPr>
+        </p:nvSpPr>
+        <p:spPr>
+          <a:prstGeom prst="rect">
+            <a:avLst/>
+          </a:prstGeom>
+        </p:spPr>
+        <p:txBody>
+          <a:bodyPr/>
+          <a:lstStyle/>
+          <a:p>
+            <a:endParaRPr lang="en-US"/>
+          </a:p>
+        </p:txBody>
+      </p:sp>
+      <p:sp>
+        <p:nvSpPr>
+          <p:cNvPr id="4" name="Slide Number Placeholder 3"/>
+          <p:cNvSpPr>
+            <a:spLocks noGrp="1" noEditPoints="1"/>
+          </p:cNvSpPr>
+          <p:nvPr>
+            <p:ph type="sldNum" sz="quarter" idx="5"/>
+          </p:nvPr>
+        </p:nvSpPr>
+        <p:spPr>
+          <a:prstGeom prst="rect">
+            <a:avLst/>
+          </a:prstGeom>
+        </p:spPr>
+        <p:txBody>
+          <a:bodyPr/>
+          <a:lstStyle/>
+          <a:p>
+            <a:fld id="{EFD74D62-D73B-4690-B210-E83862395C1B}" type="slidenum">
+              <a:rPr lang="en-US" smtClean="0"/>
+              <a:t>16</a:t>
+            </a:fld>
+            <a:endParaRPr lang="en-US"/>
+          </a:p>
+        </p:txBody>
+      </p:sp>
+    </p:spTree>
+    <p:extLst>
+      <p:ext uri="{BB962C8B-B14F-4D97-AF65-F5344CB8AC3E}">
+        <p14:creationId xmlns:p14="http://schemas.microsoft.com/office/powerpoint/2010/main" val="1003546298"/>
+      </p:ext>
+    </p:extLst>
+  </p:cSld>
+  <p:clrMapOvr>
+    <a:masterClrMapping/>
+  </p:clrMapOvr>
+</p:notes>
+</file>
+
+<file path=ppt/notesSlides/notesSlide7.xml><?xml version="1.0" encoding="utf-8"?>
+<p:notes xmlns:a="http://schemas.openxmlformats.org/drawingml/2006/main" xmlns:r="http://schemas.openxmlformats.org/officeDocument/2006/relationships" xmlns:p="http://schemas.openxmlformats.org/presentationml/2006/main">
+  <p:cSld>
+    <p:spTree>
+      <p:nvGrpSpPr>
+        <p:cNvPr id="1" name=""/>
+        <p:cNvGrpSpPr/>
+        <p:nvPr/>
+      </p:nvGrpSpPr>
+      <p:grpSpPr>
+        <a:xfrm>
+          <a:off x="0" y="0"/>
+          <a:ext cx="0" cy="0"/>
+          <a:chOff x="0" y="0"/>
+          <a:chExt cx="0" cy="0"/>
+        </a:xfrm>
+      </p:grpSpPr>
+      <p:sp>
+        <p:nvSpPr>
+          <p:cNvPr id="2" name="Slide Image Placeholder 1"/>
+          <p:cNvSpPr>
             <a:spLocks noGrp="1" noRot="1" noChangeAspect="1" noEditPoints="1"/>
           </p:cNvSpPr>
           <p:nvPr>
@@ -1002,7 +1207,7 @@
 </p:notes>
 </file>
 
-<file path=ppt/notesSlides/notesSlide6.xml><?xml version="1.0" encoding="utf-8"?>
+<file path=ppt/notesSlides/notesSlide8.xml><?xml version="1.0" encoding="utf-8"?>
 <p:notes xmlns:a="http://schemas.openxmlformats.org/drawingml/2006/main" xmlns:r="http://schemas.openxmlformats.org/officeDocument/2006/relationships" xmlns:p="http://schemas.openxmlformats.org/presentationml/2006/main">
   <p:cSld>
     <p:spTree>
@@ -1266,7 +1471,7 @@
           <a:p>
             <a:fld id="{846CE7D5-CF57-46EF-B807-FDD0502418D4}" type="datetimeFigureOut">
               <a:rPr lang="en-US" smtClean="0"/>
-              <a:t>11/18/2021</a:t>
+              <a:t>11/20/2021</a:t>
             </a:fld>
             <a:endParaRPr lang="en-US"/>
           </a:p>
@@ -1429,7 +1634,7 @@
           <a:p>
             <a:fld id="{846CE7D5-CF57-46EF-B807-FDD0502418D4}" type="datetimeFigureOut">
               <a:rPr lang="en-US" smtClean="0"/>
-              <a:t>11/18/2021</a:t>
+              <a:t>11/20/2021</a:t>
             </a:fld>
             <a:endParaRPr lang="en-US"/>
           </a:p>
@@ -1602,7 +1807,7 @@
           <a:p>
             <a:fld id="{846CE7D5-CF57-46EF-B807-FDD0502418D4}" type="datetimeFigureOut">
               <a:rPr lang="en-US" smtClean="0"/>
-              <a:t>11/18/2021</a:t>
+              <a:t>11/20/2021</a:t>
             </a:fld>
             <a:endParaRPr lang="en-US"/>
           </a:p>
@@ -1765,7 +1970,7 @@
           <a:p>
             <a:fld id="{846CE7D5-CF57-46EF-B807-FDD0502418D4}" type="datetimeFigureOut">
               <a:rPr lang="en-US" smtClean="0"/>
-              <a:t>11/18/2021</a:t>
+              <a:t>11/20/2021</a:t>
             </a:fld>
             <a:endParaRPr lang="en-US"/>
           </a:p>
@@ -2005,7 +2210,7 @@
           <a:p>
             <a:fld id="{846CE7D5-CF57-46EF-B807-FDD0502418D4}" type="datetimeFigureOut">
               <a:rPr lang="en-US" smtClean="0"/>
-              <a:t>11/18/2021</a:t>
+              <a:t>11/20/2021</a:t>
             </a:fld>
             <a:endParaRPr lang="en-US"/>
           </a:p>
@@ -2229,7 +2434,7 @@
           <a:p>
             <a:fld id="{846CE7D5-CF57-46EF-B807-FDD0502418D4}" type="datetimeFigureOut">
               <a:rPr lang="en-US" smtClean="0"/>
-              <a:t>11/18/2021</a:t>
+              <a:t>11/20/2021</a:t>
             </a:fld>
             <a:endParaRPr lang="en-US"/>
           </a:p>
@@ -2588,7 +2793,7 @@
           <a:p>
             <a:fld id="{846CE7D5-CF57-46EF-B807-FDD0502418D4}" type="datetimeFigureOut">
               <a:rPr lang="en-US" smtClean="0"/>
-              <a:t>11/18/2021</a:t>
+              <a:t>11/20/2021</a:t>
             </a:fld>
             <a:endParaRPr lang="en-US"/>
           </a:p>
@@ -2700,7 +2905,7 @@
           <a:p>
             <a:fld id="{846CE7D5-CF57-46EF-B807-FDD0502418D4}" type="datetimeFigureOut">
               <a:rPr lang="en-US" smtClean="0"/>
-              <a:t>11/18/2021</a:t>
+              <a:t>11/20/2021</a:t>
             </a:fld>
             <a:endParaRPr lang="en-US"/>
           </a:p>
@@ -2790,7 +2995,7 @@
           <a:p>
             <a:fld id="{846CE7D5-CF57-46EF-B807-FDD0502418D4}" type="datetimeFigureOut">
               <a:rPr lang="en-US" smtClean="0"/>
-              <a:t>11/18/2021</a:t>
+              <a:t>11/20/2021</a:t>
             </a:fld>
             <a:endParaRPr lang="en-US"/>
           </a:p>
@@ -3060,7 +3265,7 @@
           <a:p>
             <a:fld id="{846CE7D5-CF57-46EF-B807-FDD0502418D4}" type="datetimeFigureOut">
               <a:rPr lang="en-US" smtClean="0"/>
-              <a:t>11/18/2021</a:t>
+              <a:t>11/20/2021</a:t>
             </a:fld>
             <a:endParaRPr lang="en-US"/>
           </a:p>
@@ -3311,7 +3516,7 @@
           <a:p>
             <a:fld id="{846CE7D5-CF57-46EF-B807-FDD0502418D4}" type="datetimeFigureOut">
               <a:rPr lang="en-US" smtClean="0"/>
-              <a:t>11/18/2021</a:t>
+              <a:t>11/20/2021</a:t>
             </a:fld>
             <a:endParaRPr lang="en-US"/>
           </a:p>
@@ -3517,7 +3722,7 @@
           <a:p>
             <a:fld id="{846CE7D5-CF57-46EF-B807-FDD0502418D4}" type="datetimeFigureOut">
               <a:rPr lang="en-US" smtClean="0"/>
-              <a:t>11/18/2021</a:t>
+              <a:t>11/20/2021</a:t>
             </a:fld>
             <a:endParaRPr lang="en-US"/>
           </a:p>
@@ -4309,6 +4514,522 @@
           <p:cNvPr id="2" name="Title 1">
             <a:extLst>
               <a:ext uri="{FF2B5EF4-FFF2-40B4-BE49-F238E27FC236}">
+                <a16:creationId xmlns:a16="http://schemas.microsoft.com/office/drawing/2014/main" id="{288AAA29-C37A-439F-A9EB-0F7896B8BCB9}"/>
+              </a:ext>
+            </a:extLst>
+          </p:cNvPr>
+          <p:cNvSpPr>
+            <a:spLocks noGrp="1"/>
+          </p:cNvSpPr>
+          <p:nvPr>
+            <p:ph type="title"/>
+          </p:nvPr>
+        </p:nvSpPr>
+        <p:spPr/>
+        <p:txBody>
+          <a:bodyPr/>
+          <a:lstStyle/>
+          <a:p>
+            <a:pPr algn="ctr"/>
+            <a:r>
+              <a:rPr lang="en-US" dirty="0"/>
+              <a:t>An example</a:t>
+            </a:r>
+          </a:p>
+        </p:txBody>
+      </p:sp>
+      <p:sp>
+        <p:nvSpPr>
+          <p:cNvPr id="3" name="Content Placeholder 2">
+            <a:extLst>
+              <a:ext uri="{FF2B5EF4-FFF2-40B4-BE49-F238E27FC236}">
+                <a16:creationId xmlns:a16="http://schemas.microsoft.com/office/drawing/2014/main" id="{F166B599-BCBE-4933-A94A-6726DA237ECA}"/>
+              </a:ext>
+            </a:extLst>
+          </p:cNvPr>
+          <p:cNvSpPr>
+            <a:spLocks noGrp="1"/>
+          </p:cNvSpPr>
+          <p:nvPr>
+            <p:ph idx="1"/>
+          </p:nvPr>
+        </p:nvSpPr>
+        <p:spPr/>
+        <p:txBody>
+          <a:bodyPr/>
+          <a:lstStyle/>
+          <a:p>
+            <a:r>
+              <a:rPr lang="en-US" dirty="0"/>
+              <a:t>“You have heard that it was said to those of old, ‘You shall not commit adultery.’ But I say to you that whoever looks at a woman to lust for her has already committed adultery with her in his heart.” (Matthew 5:27-28)</a:t>
+            </a:r>
+          </a:p>
+          <a:p>
+            <a:r>
+              <a:rPr lang="en-US" dirty="0"/>
+              <a:t>The mere lustful gaze upon a woman is already the same as actually committing adultery</a:t>
+            </a:r>
+          </a:p>
+        </p:txBody>
+      </p:sp>
+    </p:spTree>
+    <p:extLst>
+      <p:ext uri="{BB962C8B-B14F-4D97-AF65-F5344CB8AC3E}">
+        <p14:creationId xmlns:p14="http://schemas.microsoft.com/office/powerpoint/2010/main" val="2667474247"/>
+      </p:ext>
+    </p:extLst>
+  </p:cSld>
+  <p:clrMapOvr>
+    <a:masterClrMapping/>
+  </p:clrMapOvr>
+</p:sld>
+</file>
+
+<file path=ppt/slides/slide11.xml><?xml version="1.0" encoding="utf-8"?>
+<p:sld xmlns:a="http://schemas.openxmlformats.org/drawingml/2006/main" xmlns:r="http://schemas.openxmlformats.org/officeDocument/2006/relationships" xmlns:p="http://schemas.openxmlformats.org/presentationml/2006/main">
+  <p:cSld>
+    <p:spTree>
+      <p:nvGrpSpPr>
+        <p:cNvPr id="1" name=""/>
+        <p:cNvGrpSpPr/>
+        <p:nvPr/>
+      </p:nvGrpSpPr>
+      <p:grpSpPr>
+        <a:xfrm>
+          <a:off x="0" y="0"/>
+          <a:ext cx="0" cy="0"/>
+          <a:chOff x="0" y="0"/>
+          <a:chExt cx="0" cy="0"/>
+        </a:xfrm>
+      </p:grpSpPr>
+      <p:sp>
+        <p:nvSpPr>
+          <p:cNvPr id="2" name="Title 1">
+            <a:extLst>
+              <a:ext uri="{FF2B5EF4-FFF2-40B4-BE49-F238E27FC236}">
+                <a16:creationId xmlns:a16="http://schemas.microsoft.com/office/drawing/2014/main" id="{8E6A6A06-D099-40E3-B5D9-8A9E432B87F4}"/>
+              </a:ext>
+            </a:extLst>
+          </p:cNvPr>
+          <p:cNvSpPr>
+            <a:spLocks noGrp="1"/>
+          </p:cNvSpPr>
+          <p:nvPr>
+            <p:ph type="title"/>
+          </p:nvPr>
+        </p:nvSpPr>
+        <p:spPr/>
+        <p:txBody>
+          <a:bodyPr/>
+          <a:lstStyle/>
+          <a:p>
+            <a:pPr algn="ctr"/>
+            <a:r>
+              <a:rPr lang="en-US" dirty="0"/>
+              <a:t>Coveting was the first sin</a:t>
+            </a:r>
+          </a:p>
+        </p:txBody>
+      </p:sp>
+      <p:sp>
+        <p:nvSpPr>
+          <p:cNvPr id="3" name="Content Placeholder 2">
+            <a:extLst>
+              <a:ext uri="{FF2B5EF4-FFF2-40B4-BE49-F238E27FC236}">
+                <a16:creationId xmlns:a16="http://schemas.microsoft.com/office/drawing/2014/main" id="{4466CF20-FF58-49E7-8BDE-01BEDF891DCA}"/>
+              </a:ext>
+            </a:extLst>
+          </p:cNvPr>
+          <p:cNvSpPr>
+            <a:spLocks noGrp="1"/>
+          </p:cNvSpPr>
+          <p:nvPr>
+            <p:ph idx="1"/>
+          </p:nvPr>
+        </p:nvSpPr>
+        <p:spPr/>
+        <p:txBody>
+          <a:bodyPr/>
+          <a:lstStyle/>
+          <a:p>
+            <a:r>
+              <a:rPr lang="en-US" dirty="0"/>
+              <a:t>“So when the woman </a:t>
+            </a:r>
+            <a:r>
+              <a:rPr lang="en-US" b="1" dirty="0"/>
+              <a:t>saw</a:t>
+            </a:r>
+            <a:r>
+              <a:rPr lang="en-US" dirty="0"/>
+              <a:t> that the tree was good for food, that it was </a:t>
+            </a:r>
+            <a:r>
+              <a:rPr lang="en-US" b="1" dirty="0"/>
+              <a:t>pleasant</a:t>
+            </a:r>
+            <a:r>
+              <a:rPr lang="en-US" dirty="0"/>
+              <a:t> to the eyes, and a tree </a:t>
+            </a:r>
+            <a:r>
+              <a:rPr lang="en-US" b="1" dirty="0"/>
+              <a:t>desirable</a:t>
+            </a:r>
+            <a:r>
+              <a:rPr lang="en-US" dirty="0"/>
+              <a:t> to make one wise, she took of its fruit and ate.” (Genesis 3:6)</a:t>
+            </a:r>
+          </a:p>
+          <a:p>
+            <a:r>
+              <a:rPr lang="en-US" dirty="0"/>
+              <a:t>The very first sin began with coveting, then led on to</a:t>
+            </a:r>
+          </a:p>
+          <a:p>
+            <a:pPr lvl="1"/>
+            <a:r>
+              <a:rPr lang="en-US" dirty="0"/>
+              <a:t>Theft (eating the fruit)</a:t>
+            </a:r>
+          </a:p>
+          <a:p>
+            <a:pPr lvl="1"/>
+            <a:r>
+              <a:rPr lang="en-US" dirty="0"/>
+              <a:t>Lying (they believed the serpent’s lie)</a:t>
+            </a:r>
+          </a:p>
+          <a:p>
+            <a:pPr lvl="1"/>
+            <a:r>
+              <a:rPr lang="en-US" dirty="0"/>
+              <a:t>Murder (on that day dying you shall die)</a:t>
+            </a:r>
+          </a:p>
+          <a:p>
+            <a:pPr lvl="1"/>
+            <a:r>
+              <a:rPr lang="en-US" dirty="0"/>
+              <a:t>…</a:t>
+            </a:r>
+          </a:p>
+          <a:p>
+            <a:endParaRPr lang="en-US" dirty="0"/>
+          </a:p>
+        </p:txBody>
+      </p:sp>
+    </p:spTree>
+    <p:extLst>
+      <p:ext uri="{BB962C8B-B14F-4D97-AF65-F5344CB8AC3E}">
+        <p14:creationId xmlns:p14="http://schemas.microsoft.com/office/powerpoint/2010/main" val="3858020495"/>
+      </p:ext>
+    </p:extLst>
+  </p:cSld>
+  <p:clrMapOvr>
+    <a:masterClrMapping/>
+  </p:clrMapOvr>
+  <p:timing>
+    <p:tnLst>
+      <p:par>
+        <p:cTn id="1" dur="indefinite" restart="never" nodeType="tmRoot">
+          <p:childTnLst>
+            <p:seq concurrent="1" nextAc="seek">
+              <p:cTn id="2" dur="indefinite" nodeType="mainSeq">
+                <p:childTnLst>
+                  <p:par>
+                    <p:cTn id="3" fill="hold">
+                      <p:stCondLst>
+                        <p:cond delay="indefinite"/>
+                      </p:stCondLst>
+                      <p:childTnLst>
+                        <p:par>
+                          <p:cTn id="4" fill="hold">
+                            <p:stCondLst>
+                              <p:cond delay="0"/>
+                            </p:stCondLst>
+                            <p:childTnLst>
+                              <p:par>
+                                <p:cTn id="5" presetID="1" presetClass="entr" presetSubtype="0" fill="hold" nodeType="clickEffect">
+                                  <p:stCondLst>
+                                    <p:cond delay="0"/>
+                                  </p:stCondLst>
+                                  <p:childTnLst>
+                                    <p:set>
+                                      <p:cBhvr>
+                                        <p:cTn id="6" dur="1" fill="hold">
+                                          <p:stCondLst>
+                                            <p:cond delay="0"/>
+                                          </p:stCondLst>
+                                        </p:cTn>
+                                        <p:tgtEl>
+                                          <p:spTgt spid="3">
+                                            <p:txEl>
+                                              <p:pRg st="1" end="1"/>
+                                            </p:txEl>
+                                          </p:spTgt>
+                                        </p:tgtEl>
+                                        <p:attrNameLst>
+                                          <p:attrName>style.visibility</p:attrName>
+                                        </p:attrNameLst>
+                                      </p:cBhvr>
+                                      <p:to>
+                                        <p:strVal val="visible"/>
+                                      </p:to>
+                                    </p:set>
+                                  </p:childTnLst>
+                                </p:cTn>
+                              </p:par>
+                            </p:childTnLst>
+                          </p:cTn>
+                        </p:par>
+                      </p:childTnLst>
+                    </p:cTn>
+                  </p:par>
+                  <p:par>
+                    <p:cTn id="7" fill="hold">
+                      <p:stCondLst>
+                        <p:cond delay="indefinite"/>
+                      </p:stCondLst>
+                      <p:childTnLst>
+                        <p:par>
+                          <p:cTn id="8" fill="hold">
+                            <p:stCondLst>
+                              <p:cond delay="0"/>
+                            </p:stCondLst>
+                            <p:childTnLst>
+                              <p:par>
+                                <p:cTn id="9" presetID="1" presetClass="entr" presetSubtype="0" fill="hold" nodeType="clickEffect">
+                                  <p:stCondLst>
+                                    <p:cond delay="0"/>
+                                  </p:stCondLst>
+                                  <p:childTnLst>
+                                    <p:set>
+                                      <p:cBhvr>
+                                        <p:cTn id="10" dur="1" fill="hold">
+                                          <p:stCondLst>
+                                            <p:cond delay="0"/>
+                                          </p:stCondLst>
+                                        </p:cTn>
+                                        <p:tgtEl>
+                                          <p:spTgt spid="3">
+                                            <p:txEl>
+                                              <p:pRg st="2" end="2"/>
+                                            </p:txEl>
+                                          </p:spTgt>
+                                        </p:tgtEl>
+                                        <p:attrNameLst>
+                                          <p:attrName>style.visibility</p:attrName>
+                                        </p:attrNameLst>
+                                      </p:cBhvr>
+                                      <p:to>
+                                        <p:strVal val="visible"/>
+                                      </p:to>
+                                    </p:set>
+                                  </p:childTnLst>
+                                </p:cTn>
+                              </p:par>
+                            </p:childTnLst>
+                          </p:cTn>
+                        </p:par>
+                      </p:childTnLst>
+                    </p:cTn>
+                  </p:par>
+                  <p:par>
+                    <p:cTn id="11" fill="hold">
+                      <p:stCondLst>
+                        <p:cond delay="indefinite"/>
+                      </p:stCondLst>
+                      <p:childTnLst>
+                        <p:par>
+                          <p:cTn id="12" fill="hold">
+                            <p:stCondLst>
+                              <p:cond delay="0"/>
+                            </p:stCondLst>
+                            <p:childTnLst>
+                              <p:par>
+                                <p:cTn id="13" presetID="1" presetClass="entr" presetSubtype="0" fill="hold" nodeType="clickEffect">
+                                  <p:stCondLst>
+                                    <p:cond delay="0"/>
+                                  </p:stCondLst>
+                                  <p:childTnLst>
+                                    <p:set>
+                                      <p:cBhvr>
+                                        <p:cTn id="14" dur="1" fill="hold">
+                                          <p:stCondLst>
+                                            <p:cond delay="0"/>
+                                          </p:stCondLst>
+                                        </p:cTn>
+                                        <p:tgtEl>
+                                          <p:spTgt spid="3">
+                                            <p:txEl>
+                                              <p:pRg st="3" end="3"/>
+                                            </p:txEl>
+                                          </p:spTgt>
+                                        </p:tgtEl>
+                                        <p:attrNameLst>
+                                          <p:attrName>style.visibility</p:attrName>
+                                        </p:attrNameLst>
+                                      </p:cBhvr>
+                                      <p:to>
+                                        <p:strVal val="visible"/>
+                                      </p:to>
+                                    </p:set>
+                                  </p:childTnLst>
+                                </p:cTn>
+                              </p:par>
+                            </p:childTnLst>
+                          </p:cTn>
+                        </p:par>
+                      </p:childTnLst>
+                    </p:cTn>
+                  </p:par>
+                  <p:par>
+                    <p:cTn id="15" fill="hold">
+                      <p:stCondLst>
+                        <p:cond delay="indefinite"/>
+                      </p:stCondLst>
+                      <p:childTnLst>
+                        <p:par>
+                          <p:cTn id="16" fill="hold">
+                            <p:stCondLst>
+                              <p:cond delay="0"/>
+                            </p:stCondLst>
+                            <p:childTnLst>
+                              <p:par>
+                                <p:cTn id="17" presetID="1" presetClass="entr" presetSubtype="0" fill="hold" nodeType="clickEffect">
+                                  <p:stCondLst>
+                                    <p:cond delay="0"/>
+                                  </p:stCondLst>
+                                  <p:childTnLst>
+                                    <p:set>
+                                      <p:cBhvr>
+                                        <p:cTn id="18" dur="1" fill="hold">
+                                          <p:stCondLst>
+                                            <p:cond delay="0"/>
+                                          </p:stCondLst>
+                                        </p:cTn>
+                                        <p:tgtEl>
+                                          <p:spTgt spid="3">
+                                            <p:txEl>
+                                              <p:pRg st="4" end="4"/>
+                                            </p:txEl>
+                                          </p:spTgt>
+                                        </p:tgtEl>
+                                        <p:attrNameLst>
+                                          <p:attrName>style.visibility</p:attrName>
+                                        </p:attrNameLst>
+                                      </p:cBhvr>
+                                      <p:to>
+                                        <p:strVal val="visible"/>
+                                      </p:to>
+                                    </p:set>
+                                  </p:childTnLst>
+                                </p:cTn>
+                              </p:par>
+                            </p:childTnLst>
+                          </p:cTn>
+                        </p:par>
+                      </p:childTnLst>
+                    </p:cTn>
+                  </p:par>
+                  <p:par>
+                    <p:cTn id="19" fill="hold">
+                      <p:stCondLst>
+                        <p:cond delay="indefinite"/>
+                      </p:stCondLst>
+                      <p:childTnLst>
+                        <p:par>
+                          <p:cTn id="20" fill="hold">
+                            <p:stCondLst>
+                              <p:cond delay="0"/>
+                            </p:stCondLst>
+                            <p:childTnLst>
+                              <p:par>
+                                <p:cTn id="21" presetID="1" presetClass="entr" presetSubtype="0" fill="hold" nodeType="clickEffect">
+                                  <p:stCondLst>
+                                    <p:cond delay="0"/>
+                                  </p:stCondLst>
+                                  <p:childTnLst>
+                                    <p:set>
+                                      <p:cBhvr>
+                                        <p:cTn id="22" dur="1" fill="hold">
+                                          <p:stCondLst>
+                                            <p:cond delay="0"/>
+                                          </p:stCondLst>
+                                        </p:cTn>
+                                        <p:tgtEl>
+                                          <p:spTgt spid="3">
+                                            <p:txEl>
+                                              <p:pRg st="5" end="5"/>
+                                            </p:txEl>
+                                          </p:spTgt>
+                                        </p:tgtEl>
+                                        <p:attrNameLst>
+                                          <p:attrName>style.visibility</p:attrName>
+                                        </p:attrNameLst>
+                                      </p:cBhvr>
+                                      <p:to>
+                                        <p:strVal val="visible"/>
+                                      </p:to>
+                                    </p:set>
+                                  </p:childTnLst>
+                                </p:cTn>
+                              </p:par>
+                            </p:childTnLst>
+                          </p:cTn>
+                        </p:par>
+                      </p:childTnLst>
+                    </p:cTn>
+                  </p:par>
+                </p:childTnLst>
+              </p:cTn>
+              <p:prevCondLst>
+                <p:cond evt="onPrev" delay="0">
+                  <p:tgtEl>
+                    <p:sldTgt/>
+                  </p:tgtEl>
+                </p:cond>
+              </p:prevCondLst>
+              <p:nextCondLst>
+                <p:cond evt="onNext" delay="0">
+                  <p:tgtEl>
+                    <p:sldTgt/>
+                  </p:tgtEl>
+                </p:cond>
+              </p:nextCondLst>
+            </p:seq>
+          </p:childTnLst>
+        </p:cTn>
+      </p:par>
+    </p:tnLst>
+  </p:timing>
+</p:sld>
+</file>
+
+<file path=ppt/slides/slide12.xml><?xml version="1.0" encoding="utf-8"?>
+<p:sld xmlns:a="http://schemas.openxmlformats.org/drawingml/2006/main" xmlns:r="http://schemas.openxmlformats.org/officeDocument/2006/relationships" xmlns:p="http://schemas.openxmlformats.org/presentationml/2006/main">
+  <p:cSld>
+    <p:spTree>
+      <p:nvGrpSpPr>
+        <p:cNvPr id="1" name=""/>
+        <p:cNvGrpSpPr/>
+        <p:nvPr/>
+      </p:nvGrpSpPr>
+      <p:grpSpPr>
+        <a:xfrm>
+          <a:off x="0" y="0"/>
+          <a:ext cx="0" cy="0"/>
+          <a:chOff x="0" y="0"/>
+          <a:chExt cx="0" cy="0"/>
+        </a:xfrm>
+      </p:grpSpPr>
+      <p:sp>
+        <p:nvSpPr>
+          <p:cNvPr id="2" name="Title 1">
+            <a:extLst>
+              <a:ext uri="{FF2B5EF4-FFF2-40B4-BE49-F238E27FC236}">
                 <a16:creationId xmlns:a16="http://schemas.microsoft.com/office/drawing/2014/main" id="{50D14496-4877-45B9-830E-C114FE77DB0D}"/>
               </a:ext>
             </a:extLst>
@@ -4372,7 +5093,15 @@
             </a:r>
             <a:r>
               <a:rPr lang="en-US" dirty="0"/>
-              <a:t> has conceived, it gives birth to sin; and sin, when it is </a:t>
+              <a:t> has conceived, </a:t>
+            </a:r>
+            <a:r>
+              <a:rPr lang="en-US" b="1" dirty="0"/>
+              <a:t>it gives birth to sin</a:t>
+            </a:r>
+            <a:r>
+              <a:rPr lang="en-US" dirty="0"/>
+              <a:t>; and sin, when it is </a:t>
             </a:r>
             <a:r>
               <a:rPr lang="en-US" b="1" dirty="0"/>
@@ -4407,6 +5136,13 @@
             <a:r>
               <a:rPr lang="en-US" dirty="0"/>
               <a:t>or to murder (David and Bathsheba)</a:t>
+            </a:r>
+          </a:p>
+          <a:p>
+            <a:pPr lvl="1"/>
+            <a:r>
+              <a:rPr lang="en-US" dirty="0"/>
+              <a:t>To do anything to acquire the coveted idol</a:t>
             </a:r>
           </a:p>
           <a:p>
@@ -4524,15 +5260,33 @@
                                   </p:childTnLst>
                                 </p:cTn>
                               </p:par>
+                            </p:childTnLst>
+                          </p:cTn>
+                        </p:par>
+                      </p:childTnLst>
+                    </p:cTn>
+                  </p:par>
+                  <p:par>
+                    <p:cTn id="11" fill="hold">
+                      <p:stCondLst>
+                        <p:cond delay="indefinite"/>
+                      </p:stCondLst>
+                      <p:childTnLst>
+                        <p:par>
+                          <p:cTn id="12" fill="hold">
+                            <p:stCondLst>
+                              <p:cond delay="0"/>
+                            </p:stCondLst>
+                            <p:childTnLst>
                               <p:par>
-                                <p:cTn id="11" presetID="1" presetClass="entr" presetSubtype="0" fill="hold" nodeType="withEffect">
+                                <p:cTn id="13" presetID="1" presetClass="entr" presetSubtype="0" fill="hold" nodeType="clickEffect">
                                   <p:stCondLst>
                                     <p:cond delay="0"/>
                                   </p:stCondLst>
                                   <p:childTnLst>
                                     <p:set>
                                       <p:cBhvr>
-                                        <p:cTn id="12" dur="1" fill="hold">
+                                        <p:cTn id="14" dur="1" fill="hold">
                                           <p:stCondLst>
                                             <p:cond delay="0"/>
                                           </p:stCondLst>
@@ -4555,15 +5309,33 @@
                                   </p:childTnLst>
                                 </p:cTn>
                               </p:par>
+                            </p:childTnLst>
+                          </p:cTn>
+                        </p:par>
+                      </p:childTnLst>
+                    </p:cTn>
+                  </p:par>
+                  <p:par>
+                    <p:cTn id="15" fill="hold">
+                      <p:stCondLst>
+                        <p:cond delay="indefinite"/>
+                      </p:stCondLst>
+                      <p:childTnLst>
+                        <p:par>
+                          <p:cTn id="16" fill="hold">
+                            <p:stCondLst>
+                              <p:cond delay="0"/>
+                            </p:stCondLst>
+                            <p:childTnLst>
                               <p:par>
-                                <p:cTn id="13" presetID="1" presetClass="entr" presetSubtype="0" fill="hold" nodeType="withEffect">
+                                <p:cTn id="17" presetID="1" presetClass="entr" presetSubtype="0" fill="hold" nodeType="clickEffect">
                                   <p:stCondLst>
                                     <p:cond delay="0"/>
                                   </p:stCondLst>
                                   <p:childTnLst>
                                     <p:set>
                                       <p:cBhvr>
-                                        <p:cTn id="14" dur="1" fill="hold">
+                                        <p:cTn id="18" dur="1" fill="hold">
                                           <p:stCondLst>
                                             <p:cond delay="0"/>
                                           </p:stCondLst>
@@ -4572,6 +5344,55 @@
                                           <p:spTgt spid="3">
                                             <p:txEl>
                                               <p:pRg st="4" end="4"/>
+                                            </p:txEl>
+                                          </p:spTgt>
+                                        </p:tgtEl>
+                                        <p:attrNameLst>
+                                          <p:attrName>style.visibility</p:attrName>
+                                        </p:attrNameLst>
+                                      </p:cBhvr>
+                                      <p:to>
+                                        <p:strVal val="visible"/>
+                                      </p:to>
+                                    </p:set>
+                                  </p:childTnLst>
+                                </p:cTn>
+                              </p:par>
+                            </p:childTnLst>
+                          </p:cTn>
+                        </p:par>
+                      </p:childTnLst>
+                    </p:cTn>
+                  </p:par>
+                  <p:par>
+                    <p:cTn id="19" fill="hold">
+                      <p:stCondLst>
+                        <p:cond delay="indefinite"/>
+                      </p:stCondLst>
+                      <p:childTnLst>
+                        <p:par>
+                          <p:cTn id="20" fill="hold">
+                            <p:stCondLst>
+                              <p:cond delay="0"/>
+                            </p:stCondLst>
+                            <p:childTnLst>
+                              <p:par>
+                                <p:cTn id="21" presetID="1" presetClass="entr" presetSubtype="0" fill="hold" nodeType="clickEffect">
+                                  <p:stCondLst>
+                                    <p:cond delay="0"/>
+                                  </p:stCondLst>
+                                  <p:childTnLst>
+                                    <p:set>
+                                      <p:cBhvr>
+                                        <p:cTn id="22" dur="1" fill="hold">
+                                          <p:stCondLst>
+                                            <p:cond delay="0"/>
+                                          </p:stCondLst>
+                                        </p:cTn>
+                                        <p:tgtEl>
+                                          <p:spTgt spid="3">
+                                            <p:txEl>
+                                              <p:pRg st="5" end="5"/>
                                             </p:txEl>
                                           </p:spTgt>
                                         </p:tgtEl>
@@ -4617,7 +5438,7 @@
 </p:sld>
 </file>
 
-<file path=ppt/slides/slide11.xml><?xml version="1.0" encoding="utf-8"?>
+<file path=ppt/slides/slide13.xml><?xml version="1.0" encoding="utf-8"?>
 <p:sld xmlns:a="http://schemas.openxmlformats.org/drawingml/2006/main" xmlns:r="http://schemas.openxmlformats.org/officeDocument/2006/relationships" xmlns:p="http://schemas.openxmlformats.org/presentationml/2006/main">
   <p:cSld>
     <p:spTree>
@@ -4866,7 +5687,7 @@
         </p:nvSpPr>
         <p:spPr>
           <a:xfrm>
-            <a:off x="6520960" y="3096898"/>
+            <a:off x="6621356" y="3274274"/>
             <a:ext cx="2119696" cy="830997"/>
           </a:xfrm>
           <a:prstGeom prst="rect">
@@ -4883,7 +5704,7 @@
             <a:pPr algn="ctr"/>
             <a:r>
               <a:rPr lang="en-US" sz="2400" b="1" dirty="0"/>
-              <a:t>Intent on carrying it out</a:t>
+              <a:t>Intention on carrying it out</a:t>
             </a:r>
           </a:p>
         </p:txBody>
@@ -4948,8 +5769,8 @@
         </p:nvCxnSpPr>
         <p:spPr>
           <a:xfrm flipV="1">
-            <a:off x="6079751" y="3512397"/>
-            <a:ext cx="441209" cy="184667"/>
+            <a:off x="6079751" y="3689773"/>
+            <a:ext cx="541605" cy="7291"/>
           </a:xfrm>
           <a:prstGeom prst="straightConnector1">
             <a:avLst/>
@@ -5063,8 +5884,8 @@
         </p:nvCxnSpPr>
         <p:spPr>
           <a:xfrm>
-            <a:off x="8640656" y="3512397"/>
-            <a:ext cx="747767" cy="184666"/>
+            <a:off x="8741052" y="3689773"/>
+            <a:ext cx="647371" cy="7290"/>
           </a:xfrm>
           <a:prstGeom prst="straightConnector1">
             <a:avLst/>
@@ -5900,7 +6721,7 @@
 </p:sld>
 </file>
 
-<file path=ppt/slides/slide12.xml><?xml version="1.0" encoding="utf-8"?>
+<file path=ppt/slides/slide14.xml><?xml version="1.0" encoding="utf-8"?>
 <p:sld xmlns:a="http://schemas.openxmlformats.org/drawingml/2006/main" xmlns:r="http://schemas.openxmlformats.org/officeDocument/2006/relationships" xmlns:p="http://schemas.openxmlformats.org/presentationml/2006/main">
   <p:cSld>
     <p:spTree>
@@ -5986,9 +6807,10 @@
             </a:r>
           </a:p>
           <a:p>
-            <a:r>
-              <a:rPr lang="en-US" dirty="0"/>
-              <a:t>We over look the sin and our conscience no longer makes us feel guilty.</a:t>
+            <a:pPr lvl="1"/>
+            <a:r>
+              <a:rPr lang="en-US" dirty="0"/>
+              <a:t>We overlook the sin and our conscience no longer makes us feel guilty.</a:t>
             </a:r>
           </a:p>
           <a:p>
@@ -6000,7 +6822,15 @@
           <a:p>
             <a:r>
               <a:rPr lang="en-US" dirty="0"/>
-              <a:t>When sin becomes fully developed, it leads to death.</a:t>
+              <a:t>When sin becomes fully developed, it leads to </a:t>
+            </a:r>
+            <a:r>
+              <a:rPr lang="en-US" b="1" u="sng" dirty="0"/>
+              <a:t>death</a:t>
+            </a:r>
+            <a:r>
+              <a:rPr lang="en-US" dirty="0"/>
+              <a:t>.</a:t>
             </a:r>
           </a:p>
           <a:p>
@@ -6015,6 +6845,16 @@
             <a:r>
               <a:rPr lang="en-US" dirty="0"/>
               <a:t>.” (Matthew 5:30)</a:t>
+            </a:r>
+          </a:p>
+          <a:p>
+            <a:r>
+              <a:rPr lang="en-US" b="1" dirty="0"/>
+              <a:t>Q:</a:t>
+            </a:r>
+            <a:r>
+              <a:rPr lang="en-US" dirty="0"/>
+              <a:t> How do we “cut off” our right hand?</a:t>
             </a:r>
           </a:p>
         </p:txBody>
@@ -6233,6 +7073,104 @@
                       </p:childTnLst>
                     </p:cTn>
                   </p:par>
+                  <p:par>
+                    <p:cTn id="19" fill="hold">
+                      <p:stCondLst>
+                        <p:cond delay="indefinite"/>
+                      </p:stCondLst>
+                      <p:childTnLst>
+                        <p:par>
+                          <p:cTn id="20" fill="hold">
+                            <p:stCondLst>
+                              <p:cond delay="0"/>
+                            </p:stCondLst>
+                            <p:childTnLst>
+                              <p:par>
+                                <p:cTn id="21" presetID="1" presetClass="entr" presetSubtype="0" fill="hold" nodeType="clickEffect">
+                                  <p:stCondLst>
+                                    <p:cond delay="0"/>
+                                  </p:stCondLst>
+                                  <p:childTnLst>
+                                    <p:set>
+                                      <p:cBhvr>
+                                        <p:cTn id="22" dur="1" fill="hold">
+                                          <p:stCondLst>
+                                            <p:cond delay="0"/>
+                                          </p:stCondLst>
+                                        </p:cTn>
+                                        <p:tgtEl>
+                                          <p:spTgt spid="3">
+                                            <p:txEl>
+                                              <p:pRg st="5" end="5"/>
+                                            </p:txEl>
+                                          </p:spTgt>
+                                        </p:tgtEl>
+                                        <p:attrNameLst>
+                                          <p:attrName>style.visibility</p:attrName>
+                                        </p:attrNameLst>
+                                      </p:cBhvr>
+                                      <p:to>
+                                        <p:strVal val="visible"/>
+                                      </p:to>
+                                    </p:set>
+                                  </p:childTnLst>
+                                </p:cTn>
+                              </p:par>
+                            </p:childTnLst>
+                          </p:cTn>
+                        </p:par>
+                      </p:childTnLst>
+                    </p:cTn>
+                  </p:par>
+                  <p:par>
+                    <p:cTn id="23" fill="hold">
+                      <p:stCondLst>
+                        <p:cond delay="indefinite"/>
+                      </p:stCondLst>
+                      <p:childTnLst>
+                        <p:par>
+                          <p:cTn id="24" fill="hold">
+                            <p:stCondLst>
+                              <p:cond delay="0"/>
+                            </p:stCondLst>
+                            <p:childTnLst>
+                              <p:par>
+                                <p:cTn id="25" presetID="1" presetClass="entr" presetSubtype="0" fill="hold" nodeType="clickEffect">
+                                  <p:stCondLst>
+                                    <p:cond delay="0"/>
+                                  </p:stCondLst>
+                                  <p:childTnLst>
+                                    <p:set>
+                                      <p:cBhvr>
+                                        <p:cTn id="26" dur="1" fill="hold">
+                                          <p:stCondLst>
+                                            <p:cond delay="0"/>
+                                          </p:stCondLst>
+                                        </p:cTn>
+                                        <p:tgtEl>
+                                          <p:spTgt spid="3">
+                                            <p:txEl>
+                                              <p:pRg st="6" end="6"/>
+                                            </p:txEl>
+                                          </p:spTgt>
+                                        </p:tgtEl>
+                                        <p:attrNameLst>
+                                          <p:attrName>style.visibility</p:attrName>
+                                        </p:attrNameLst>
+                                      </p:cBhvr>
+                                      <p:to>
+                                        <p:strVal val="visible"/>
+                                      </p:to>
+                                    </p:set>
+                                  </p:childTnLst>
+                                </p:cTn>
+                              </p:par>
+                            </p:childTnLst>
+                          </p:cTn>
+                        </p:par>
+                      </p:childTnLst>
+                    </p:cTn>
+                  </p:par>
                 </p:childTnLst>
               </p:cTn>
               <p:prevCondLst>
@@ -6258,7 +7196,7 @@
 </p:sld>
 </file>
 
-<file path=ppt/slides/slide13.xml><?xml version="1.0" encoding="utf-8"?>
+<file path=ppt/slides/slide15.xml><?xml version="1.0" encoding="utf-8"?>
 <p:sld xmlns:a="http://schemas.openxmlformats.org/drawingml/2006/main" xmlns:r="http://schemas.openxmlformats.org/officeDocument/2006/relationships" xmlns:p="http://schemas.openxmlformats.org/presentationml/2006/main">
   <p:cSld>
     <p:spTree>
@@ -6327,7 +7265,15 @@
           <a:p>
             <a:r>
               <a:rPr lang="en-US" dirty="0"/>
-              <a:t>“For this you know, that no fornicator, unclean person, nor covetous man, who is an idolater, has any inheritance in the kingdom of Christ and God.” (Ephesians 5:5)</a:t>
+              <a:t>“For this you know, that no fornicator, unclean person, </a:t>
+            </a:r>
+            <a:r>
+              <a:rPr lang="en-US" b="1" dirty="0"/>
+              <a:t>nor covetous man, who is an idolater</a:t>
+            </a:r>
+            <a:r>
+              <a:rPr lang="en-US" dirty="0"/>
+              <a:t>, has any inheritance in the kingdom of Christ and God.” (Ephesians 5:5)</a:t>
             </a:r>
           </a:p>
           <a:p>
@@ -6556,214 +7502,6 @@
 </p:sld>
 </file>
 
-<file path=ppt/slides/slide14.xml><?xml version="1.0" encoding="utf-8"?>
-<p:sld xmlns:a="http://schemas.openxmlformats.org/drawingml/2006/main" xmlns:r="http://schemas.openxmlformats.org/officeDocument/2006/relationships" xmlns:p="http://schemas.openxmlformats.org/presentationml/2006/main">
-  <p:cSld>
-    <p:spTree>
-      <p:nvGrpSpPr>
-        <p:cNvPr id="1" name=""/>
-        <p:cNvGrpSpPr/>
-        <p:nvPr/>
-      </p:nvGrpSpPr>
-      <p:grpSpPr>
-        <a:xfrm>
-          <a:off x="0" y="0"/>
-          <a:ext cx="0" cy="0"/>
-          <a:chOff x="0" y="0"/>
-          <a:chExt cx="0" cy="0"/>
-        </a:xfrm>
-      </p:grpSpPr>
-      <p:sp>
-        <p:nvSpPr>
-          <p:cNvPr id="2" name="Title 1">
-            <a:extLst>
-              <a:ext uri="{FF2B5EF4-FFF2-40B4-BE49-F238E27FC236}">
-                <a16:creationId xmlns:a16="http://schemas.microsoft.com/office/drawing/2014/main" id="{5892C48E-639D-4A62-9256-CB4CF844C9FF}"/>
-              </a:ext>
-            </a:extLst>
-          </p:cNvPr>
-          <p:cNvSpPr>
-            <a:spLocks noGrp="1"/>
-          </p:cNvSpPr>
-          <p:nvPr>
-            <p:ph type="title"/>
-          </p:nvPr>
-        </p:nvSpPr>
-        <p:spPr/>
-        <p:txBody>
-          <a:bodyPr/>
-          <a:lstStyle/>
-          <a:p>
-            <a:pPr algn="ctr"/>
-            <a:r>
-              <a:rPr lang="en-US" dirty="0"/>
-              <a:t>Some examples </a:t>
-            </a:r>
-          </a:p>
-        </p:txBody>
-      </p:sp>
-      <p:sp>
-        <p:nvSpPr>
-          <p:cNvPr id="3" name="Content Placeholder 2">
-            <a:extLst>
-              <a:ext uri="{FF2B5EF4-FFF2-40B4-BE49-F238E27FC236}">
-                <a16:creationId xmlns:a16="http://schemas.microsoft.com/office/drawing/2014/main" id="{E854BE58-31F4-4225-B362-ACEC96DF0E22}"/>
-              </a:ext>
-            </a:extLst>
-          </p:cNvPr>
-          <p:cNvSpPr>
-            <a:spLocks noGrp="1"/>
-          </p:cNvSpPr>
-          <p:nvPr>
-            <p:ph idx="1"/>
-          </p:nvPr>
-        </p:nvSpPr>
-        <p:spPr/>
-        <p:txBody>
-          <a:bodyPr/>
-          <a:lstStyle/>
-          <a:p>
-            <a:r>
-              <a:rPr lang="en-US" dirty="0"/>
-              <a:t>“You have heard that it was said to those of old, ‘You shall not murder, and whoever murders will be in danger of the judgment.’ But I say to you that </a:t>
-            </a:r>
-            <a:r>
-              <a:rPr lang="en-US" b="1" dirty="0"/>
-              <a:t>whoever is angry with his brother without a cause</a:t>
-            </a:r>
-            <a:r>
-              <a:rPr lang="en-US" dirty="0"/>
-              <a:t> shall be in danger of the judgment. And </a:t>
-            </a:r>
-            <a:r>
-              <a:rPr lang="en-US" b="1" dirty="0"/>
-              <a:t>whoever says to his brother, ‘Raca!’</a:t>
-            </a:r>
-            <a:r>
-              <a:rPr lang="en-US" dirty="0"/>
-              <a:t> shall be in danger of the council. But whoever says, ‘You fool!’ shall be in danger of hell fire.” (Matthew 5:21-22)</a:t>
-            </a:r>
-          </a:p>
-          <a:p>
-            <a:r>
-              <a:rPr lang="en-US" dirty="0"/>
-              <a:t>(Raca is similar to fool)</a:t>
-            </a:r>
-          </a:p>
-          <a:p>
-            <a:r>
-              <a:rPr lang="en-US" dirty="0"/>
-              <a:t>Emotion, feeling of the heart leads to sin</a:t>
-            </a:r>
-          </a:p>
-        </p:txBody>
-      </p:sp>
-    </p:spTree>
-    <p:extLst>
-      <p:ext uri="{BB962C8B-B14F-4D97-AF65-F5344CB8AC3E}">
-        <p14:creationId xmlns:p14="http://schemas.microsoft.com/office/powerpoint/2010/main" val="2616453608"/>
-      </p:ext>
-    </p:extLst>
-  </p:cSld>
-  <p:clrMapOvr>
-    <a:masterClrMapping/>
-  </p:clrMapOvr>
-</p:sld>
-</file>
-
-<file path=ppt/slides/slide15.xml><?xml version="1.0" encoding="utf-8"?>
-<p:sld xmlns:a="http://schemas.openxmlformats.org/drawingml/2006/main" xmlns:r="http://schemas.openxmlformats.org/officeDocument/2006/relationships" xmlns:p="http://schemas.openxmlformats.org/presentationml/2006/main">
-  <p:cSld>
-    <p:spTree>
-      <p:nvGrpSpPr>
-        <p:cNvPr id="1" name=""/>
-        <p:cNvGrpSpPr/>
-        <p:nvPr/>
-      </p:nvGrpSpPr>
-      <p:grpSpPr>
-        <a:xfrm>
-          <a:off x="0" y="0"/>
-          <a:ext cx="0" cy="0"/>
-          <a:chOff x="0" y="0"/>
-          <a:chExt cx="0" cy="0"/>
-        </a:xfrm>
-      </p:grpSpPr>
-      <p:sp>
-        <p:nvSpPr>
-          <p:cNvPr id="2" name="Title 1">
-            <a:extLst>
-              <a:ext uri="{FF2B5EF4-FFF2-40B4-BE49-F238E27FC236}">
-                <a16:creationId xmlns:a16="http://schemas.microsoft.com/office/drawing/2014/main" id="{288AAA29-C37A-439F-A9EB-0F7896B8BCB9}"/>
-              </a:ext>
-            </a:extLst>
-          </p:cNvPr>
-          <p:cNvSpPr>
-            <a:spLocks noGrp="1"/>
-          </p:cNvSpPr>
-          <p:nvPr>
-            <p:ph type="title"/>
-          </p:nvPr>
-        </p:nvSpPr>
-        <p:spPr/>
-        <p:txBody>
-          <a:bodyPr/>
-          <a:lstStyle/>
-          <a:p>
-            <a:pPr algn="ctr"/>
-            <a:r>
-              <a:rPr lang="en-US" dirty="0"/>
-              <a:t>Matthew 5:27-28</a:t>
-            </a:r>
-          </a:p>
-        </p:txBody>
-      </p:sp>
-      <p:sp>
-        <p:nvSpPr>
-          <p:cNvPr id="3" name="Content Placeholder 2">
-            <a:extLst>
-              <a:ext uri="{FF2B5EF4-FFF2-40B4-BE49-F238E27FC236}">
-                <a16:creationId xmlns:a16="http://schemas.microsoft.com/office/drawing/2014/main" id="{F166B599-BCBE-4933-A94A-6726DA237ECA}"/>
-              </a:ext>
-            </a:extLst>
-          </p:cNvPr>
-          <p:cNvSpPr>
-            <a:spLocks noGrp="1"/>
-          </p:cNvSpPr>
-          <p:nvPr>
-            <p:ph idx="1"/>
-          </p:nvPr>
-        </p:nvSpPr>
-        <p:spPr/>
-        <p:txBody>
-          <a:bodyPr/>
-          <a:lstStyle/>
-          <a:p>
-            <a:r>
-              <a:rPr lang="en-US" dirty="0"/>
-              <a:t>“You have heard that it was said to those of old, ‘You shall not commit adultery.’ But I say to you that whoever looks at a woman to lust for her has already committed adultery with her in his heart.”</a:t>
-            </a:r>
-          </a:p>
-          <a:p>
-            <a:r>
-              <a:rPr lang="en-US" dirty="0"/>
-              <a:t>The mere lustful gaze upon a woman is already the same as actually committing adultery</a:t>
-            </a:r>
-          </a:p>
-        </p:txBody>
-      </p:sp>
-    </p:spTree>
-    <p:extLst>
-      <p:ext uri="{BB962C8B-B14F-4D97-AF65-F5344CB8AC3E}">
-        <p14:creationId xmlns:p14="http://schemas.microsoft.com/office/powerpoint/2010/main" val="2667474247"/>
-      </p:ext>
-    </p:extLst>
-  </p:cSld>
-  <p:clrMapOvr>
-    <a:masterClrMapping/>
-  </p:clrMapOvr>
-</p:sld>
-</file>
-
 <file path=ppt/slides/slide16.xml><?xml version="1.0" encoding="utf-8"?>
 <p:sld xmlns:a="http://schemas.openxmlformats.org/drawingml/2006/main" xmlns:r="http://schemas.openxmlformats.org/officeDocument/2006/relationships" xmlns:p="http://schemas.openxmlformats.org/presentationml/2006/main">
   <p:cSld>
@@ -7215,7 +7953,15 @@
           <a:p>
             <a:r>
               <a:rPr lang="en-US" sz="2700" dirty="0"/>
-              <a:t>“Not that I speak in regard to need, for I have learned in whatever state I am, to be content: I know how to be abased, and I know how to abound. Everywhere and in all things I have learned both to be full and to be hungry, both to abound and to suffer need.” (Ephesians 4:11-12)</a:t>
+              <a:t>“Not that I speak in regard to need, for I have learned in whatever state I am, </a:t>
+            </a:r>
+            <a:r>
+              <a:rPr lang="en-US" sz="2700" b="1" dirty="0"/>
+              <a:t>to be content</a:t>
+            </a:r>
+            <a:r>
+              <a:rPr lang="en-US" sz="2700" dirty="0"/>
+              <a:t>: I know how to be abased, and I know how to abound. Everywhere and in all things I have learned both to be full and to be hungry, both to abound and to suffer need.” (Ephesians 4:11-12)</a:t>
             </a:r>
           </a:p>
           <a:p>
@@ -7581,7 +8327,7 @@
                 <a:ea typeface="+mn-lt"/>
                 <a:cs typeface="+mn-lt"/>
               </a:rPr>
-              <a:t> house, thou shalt not </a:t>
+              <a:t> house, thou shalt not covet thy </a:t>
             </a:r>
             <a:r>
               <a:rPr lang="en-US" b="1" dirty="0" err="1">
@@ -8874,7 +9620,9 @@
         </p:nvSpPr>
         <p:spPr/>
         <p:txBody>
-          <a:bodyPr/>
+          <a:bodyPr>
+            <a:normAutofit/>
+          </a:bodyPr>
           <a:lstStyle/>
           <a:p>
             <a:r>
@@ -8885,8 +9633,29 @@
           <a:p>
             <a:r>
               <a:rPr lang="en-US" dirty="0"/>
-              <a:t>Not mandatory</a:t>
-            </a:r>
+              <a:t>Not mandatory, but encouraged</a:t>
+            </a:r>
+          </a:p>
+          <a:p>
+            <a:r>
+              <a:rPr lang="en-US" b="1" dirty="0"/>
+              <a:t>85% gets you a copy of “Atheism </a:t>
+            </a:r>
+            <a:r>
+              <a:rPr lang="en-US" b="1" dirty="0" err="1"/>
+              <a:t>Unravelled</a:t>
+            </a:r>
+            <a:r>
+              <a:rPr lang="en-US" b="1" dirty="0"/>
+              <a:t>”! </a:t>
+            </a:r>
+            <a:r>
+              <a:rPr lang="en-US" b="1" dirty="0">
+                <a:sym typeface="Wingdings" panose="05000000000000000000" pitchFamily="2" charset="2"/>
+              </a:rPr>
+              <a:t></a:t>
+            </a:r>
+            <a:endParaRPr lang="en-US" b="1" dirty="0"/>
           </a:p>
           <a:p>
             <a:r>
@@ -8925,6 +9694,333 @@
   <p:clrMapOvr>
     <a:masterClrMapping/>
   </p:clrMapOvr>
+  <p:timing>
+    <p:tnLst>
+      <p:par>
+        <p:cTn id="1" dur="indefinite" restart="never" nodeType="tmRoot">
+          <p:childTnLst>
+            <p:seq concurrent="1" nextAc="seek">
+              <p:cTn id="2" dur="indefinite" nodeType="mainSeq">
+                <p:childTnLst>
+                  <p:par>
+                    <p:cTn id="3" fill="hold">
+                      <p:stCondLst>
+                        <p:cond delay="indefinite"/>
+                      </p:stCondLst>
+                      <p:childTnLst>
+                        <p:par>
+                          <p:cTn id="4" fill="hold">
+                            <p:stCondLst>
+                              <p:cond delay="0"/>
+                            </p:stCondLst>
+                            <p:childTnLst>
+                              <p:par>
+                                <p:cTn id="5" presetID="1" presetClass="entr" presetSubtype="0" fill="hold" grpId="0" nodeType="clickEffect">
+                                  <p:stCondLst>
+                                    <p:cond delay="0"/>
+                                  </p:stCondLst>
+                                  <p:childTnLst>
+                                    <p:set>
+                                      <p:cBhvr>
+                                        <p:cTn id="6" dur="1" fill="hold">
+                                          <p:stCondLst>
+                                            <p:cond delay="0"/>
+                                          </p:stCondLst>
+                                        </p:cTn>
+                                        <p:tgtEl>
+                                          <p:spTgt spid="3">
+                                            <p:txEl>
+                                              <p:pRg st="0" end="0"/>
+                                            </p:txEl>
+                                          </p:spTgt>
+                                        </p:tgtEl>
+                                        <p:attrNameLst>
+                                          <p:attrName>style.visibility</p:attrName>
+                                        </p:attrNameLst>
+                                      </p:cBhvr>
+                                      <p:to>
+                                        <p:strVal val="visible"/>
+                                      </p:to>
+                                    </p:set>
+                                  </p:childTnLst>
+                                </p:cTn>
+                              </p:par>
+                            </p:childTnLst>
+                          </p:cTn>
+                        </p:par>
+                      </p:childTnLst>
+                    </p:cTn>
+                  </p:par>
+                  <p:par>
+                    <p:cTn id="7" fill="hold">
+                      <p:stCondLst>
+                        <p:cond delay="indefinite"/>
+                      </p:stCondLst>
+                      <p:childTnLst>
+                        <p:par>
+                          <p:cTn id="8" fill="hold">
+                            <p:stCondLst>
+                              <p:cond delay="0"/>
+                            </p:stCondLst>
+                            <p:childTnLst>
+                              <p:par>
+                                <p:cTn id="9" presetID="1" presetClass="entr" presetSubtype="0" fill="hold" grpId="0" nodeType="clickEffect">
+                                  <p:stCondLst>
+                                    <p:cond delay="0"/>
+                                  </p:stCondLst>
+                                  <p:childTnLst>
+                                    <p:set>
+                                      <p:cBhvr>
+                                        <p:cTn id="10" dur="1" fill="hold">
+                                          <p:stCondLst>
+                                            <p:cond delay="0"/>
+                                          </p:stCondLst>
+                                        </p:cTn>
+                                        <p:tgtEl>
+                                          <p:spTgt spid="3">
+                                            <p:txEl>
+                                              <p:pRg st="1" end="1"/>
+                                            </p:txEl>
+                                          </p:spTgt>
+                                        </p:tgtEl>
+                                        <p:attrNameLst>
+                                          <p:attrName>style.visibility</p:attrName>
+                                        </p:attrNameLst>
+                                      </p:cBhvr>
+                                      <p:to>
+                                        <p:strVal val="visible"/>
+                                      </p:to>
+                                    </p:set>
+                                  </p:childTnLst>
+                                </p:cTn>
+                              </p:par>
+                            </p:childTnLst>
+                          </p:cTn>
+                        </p:par>
+                      </p:childTnLst>
+                    </p:cTn>
+                  </p:par>
+                  <p:par>
+                    <p:cTn id="11" fill="hold">
+                      <p:stCondLst>
+                        <p:cond delay="indefinite"/>
+                      </p:stCondLst>
+                      <p:childTnLst>
+                        <p:par>
+                          <p:cTn id="12" fill="hold">
+                            <p:stCondLst>
+                              <p:cond delay="0"/>
+                            </p:stCondLst>
+                            <p:childTnLst>
+                              <p:par>
+                                <p:cTn id="13" presetID="1" presetClass="entr" presetSubtype="0" fill="hold" grpId="0" nodeType="clickEffect">
+                                  <p:stCondLst>
+                                    <p:cond delay="0"/>
+                                  </p:stCondLst>
+                                  <p:childTnLst>
+                                    <p:set>
+                                      <p:cBhvr>
+                                        <p:cTn id="14" dur="1" fill="hold">
+                                          <p:stCondLst>
+                                            <p:cond delay="0"/>
+                                          </p:stCondLst>
+                                        </p:cTn>
+                                        <p:tgtEl>
+                                          <p:spTgt spid="3">
+                                            <p:txEl>
+                                              <p:pRg st="2" end="2"/>
+                                            </p:txEl>
+                                          </p:spTgt>
+                                        </p:tgtEl>
+                                        <p:attrNameLst>
+                                          <p:attrName>style.visibility</p:attrName>
+                                        </p:attrNameLst>
+                                      </p:cBhvr>
+                                      <p:to>
+                                        <p:strVal val="visible"/>
+                                      </p:to>
+                                    </p:set>
+                                  </p:childTnLst>
+                                </p:cTn>
+                              </p:par>
+                            </p:childTnLst>
+                          </p:cTn>
+                        </p:par>
+                      </p:childTnLst>
+                    </p:cTn>
+                  </p:par>
+                  <p:par>
+                    <p:cTn id="15" fill="hold">
+                      <p:stCondLst>
+                        <p:cond delay="indefinite"/>
+                      </p:stCondLst>
+                      <p:childTnLst>
+                        <p:par>
+                          <p:cTn id="16" fill="hold">
+                            <p:stCondLst>
+                              <p:cond delay="0"/>
+                            </p:stCondLst>
+                            <p:childTnLst>
+                              <p:par>
+                                <p:cTn id="17" presetID="1" presetClass="entr" presetSubtype="0" fill="hold" grpId="0" nodeType="clickEffect">
+                                  <p:stCondLst>
+                                    <p:cond delay="0"/>
+                                  </p:stCondLst>
+                                  <p:childTnLst>
+                                    <p:set>
+                                      <p:cBhvr>
+                                        <p:cTn id="18" dur="1" fill="hold">
+                                          <p:stCondLst>
+                                            <p:cond delay="0"/>
+                                          </p:stCondLst>
+                                        </p:cTn>
+                                        <p:tgtEl>
+                                          <p:spTgt spid="3">
+                                            <p:txEl>
+                                              <p:pRg st="3" end="3"/>
+                                            </p:txEl>
+                                          </p:spTgt>
+                                        </p:tgtEl>
+                                        <p:attrNameLst>
+                                          <p:attrName>style.visibility</p:attrName>
+                                        </p:attrNameLst>
+                                      </p:cBhvr>
+                                      <p:to>
+                                        <p:strVal val="visible"/>
+                                      </p:to>
+                                    </p:set>
+                                  </p:childTnLst>
+                                </p:cTn>
+                              </p:par>
+                            </p:childTnLst>
+                          </p:cTn>
+                        </p:par>
+                      </p:childTnLst>
+                    </p:cTn>
+                  </p:par>
+                  <p:par>
+                    <p:cTn id="19" fill="hold">
+                      <p:stCondLst>
+                        <p:cond delay="indefinite"/>
+                      </p:stCondLst>
+                      <p:childTnLst>
+                        <p:par>
+                          <p:cTn id="20" fill="hold">
+                            <p:stCondLst>
+                              <p:cond delay="0"/>
+                            </p:stCondLst>
+                            <p:childTnLst>
+                              <p:par>
+                                <p:cTn id="21" presetID="1" presetClass="entr" presetSubtype="0" fill="hold" grpId="0" nodeType="clickEffect">
+                                  <p:stCondLst>
+                                    <p:cond delay="0"/>
+                                  </p:stCondLst>
+                                  <p:childTnLst>
+                                    <p:set>
+                                      <p:cBhvr>
+                                        <p:cTn id="22" dur="1" fill="hold">
+                                          <p:stCondLst>
+                                            <p:cond delay="0"/>
+                                          </p:stCondLst>
+                                        </p:cTn>
+                                        <p:tgtEl>
+                                          <p:spTgt spid="3">
+                                            <p:txEl>
+                                              <p:pRg st="4" end="4"/>
+                                            </p:txEl>
+                                          </p:spTgt>
+                                        </p:tgtEl>
+                                        <p:attrNameLst>
+                                          <p:attrName>style.visibility</p:attrName>
+                                        </p:attrNameLst>
+                                      </p:cBhvr>
+                                      <p:to>
+                                        <p:strVal val="visible"/>
+                                      </p:to>
+                                    </p:set>
+                                  </p:childTnLst>
+                                </p:cTn>
+                              </p:par>
+                            </p:childTnLst>
+                          </p:cTn>
+                        </p:par>
+                      </p:childTnLst>
+                    </p:cTn>
+                  </p:par>
+                  <p:par>
+                    <p:cTn id="23" fill="hold">
+                      <p:stCondLst>
+                        <p:cond delay="indefinite"/>
+                      </p:stCondLst>
+                      <p:childTnLst>
+                        <p:par>
+                          <p:cTn id="24" fill="hold">
+                            <p:stCondLst>
+                              <p:cond delay="0"/>
+                            </p:stCondLst>
+                            <p:childTnLst>
+                              <p:par>
+                                <p:cTn id="25" presetID="1" presetClass="entr" presetSubtype="0" fill="hold" grpId="0" nodeType="clickEffect">
+                                  <p:stCondLst>
+                                    <p:cond delay="0"/>
+                                  </p:stCondLst>
+                                  <p:childTnLst>
+                                    <p:set>
+                                      <p:cBhvr>
+                                        <p:cTn id="26" dur="1" fill="hold">
+                                          <p:stCondLst>
+                                            <p:cond delay="0"/>
+                                          </p:stCondLst>
+                                        </p:cTn>
+                                        <p:tgtEl>
+                                          <p:spTgt spid="3">
+                                            <p:txEl>
+                                              <p:pRg st="5" end="5"/>
+                                            </p:txEl>
+                                          </p:spTgt>
+                                        </p:tgtEl>
+                                        <p:attrNameLst>
+                                          <p:attrName>style.visibility</p:attrName>
+                                        </p:attrNameLst>
+                                      </p:cBhvr>
+                                      <p:to>
+                                        <p:strVal val="visible"/>
+                                      </p:to>
+                                    </p:set>
+                                  </p:childTnLst>
+                                </p:cTn>
+                              </p:par>
+                            </p:childTnLst>
+                          </p:cTn>
+                        </p:par>
+                      </p:childTnLst>
+                    </p:cTn>
+                  </p:par>
+                </p:childTnLst>
+              </p:cTn>
+              <p:prevCondLst>
+                <p:cond evt="onPrev" delay="0">
+                  <p:tgtEl>
+                    <p:sldTgt/>
+                  </p:tgtEl>
+                </p:cond>
+              </p:prevCondLst>
+              <p:nextCondLst>
+                <p:cond evt="onNext" delay="0">
+                  <p:tgtEl>
+                    <p:sldTgt/>
+                  </p:tgtEl>
+                </p:cond>
+              </p:nextCondLst>
+            </p:seq>
+          </p:childTnLst>
+        </p:cTn>
+      </p:par>
+    </p:tnLst>
+    <p:bldLst>
+      <p:bldP spid="3" grpId="0" build="p"/>
+    </p:bldLst>
+  </p:timing>
 </p:sld>
 </file>
 
@@ -8998,19 +10094,43 @@
           <a:p>
             <a:r>
               <a:rPr lang="en-US" sz="3000" dirty="0"/>
-              <a:t>“Let your conduct be without covetousness; be content with such things as you have. For He Himself has said, ‘I will never leave you nor forsake you.’” (Hebrews 13:5)</a:t>
-            </a:r>
-          </a:p>
-          <a:p>
+              <a:t>“Let your conduct be without covetousness; </a:t>
+            </a:r>
+            <a:r>
+              <a:rPr lang="en-US" sz="3000" i="1" dirty="0"/>
+              <a:t>be content</a:t>
+            </a:r>
             <a:r>
               <a:rPr lang="en-US" sz="3000" dirty="0"/>
-              <a:t>“nor complain, as some of them also complained, and were destroyed by the destroyer.” (1Cor. 10:10)</a:t>
+              <a:t> with such things as you have. For He Himself has said, ‘I will never leave you nor forsake you.’” (Hebrews 13:5)</a:t>
             </a:r>
           </a:p>
           <a:p>
             <a:r>
               <a:rPr lang="en-US" sz="3000" dirty="0"/>
-              <a:t>“For where envy and self-seeking exist, confusion and every evil thing are there.” (James 3:16)</a:t>
+              <a:t>“</a:t>
+            </a:r>
+            <a:r>
+              <a:rPr lang="en-US" sz="3000" i="1" dirty="0"/>
+              <a:t>nor complain</a:t>
+            </a:r>
+            <a:r>
+              <a:rPr lang="en-US" sz="3000" dirty="0"/>
+              <a:t>, as some of them also complained, and were destroyed by the destroyer.” (1Cor. 10:10)</a:t>
+            </a:r>
+          </a:p>
+          <a:p>
+            <a:r>
+              <a:rPr lang="en-US" sz="3000" dirty="0"/>
+              <a:t>“For where </a:t>
+            </a:r>
+            <a:r>
+              <a:rPr lang="en-US" sz="3000" i="1" dirty="0"/>
+              <a:t>envy and self-seeking</a:t>
+            </a:r>
+            <a:r>
+              <a:rPr lang="en-US" sz="3000" dirty="0"/>
+              <a:t> exist, confusion and every evil thing are there.” (James 3:16)</a:t>
             </a:r>
           </a:p>
         </p:txBody>
@@ -9120,7 +10240,15 @@
           <a:p>
             <a:r>
               <a:rPr lang="en-US" dirty="0"/>
-              <a:t>If you truly love your neighbor, then you will not even </a:t>
+              <a:t>If you </a:t>
+            </a:r>
+            <a:r>
+              <a:rPr lang="en-US" i="1" dirty="0"/>
+              <a:t>truly love</a:t>
+            </a:r>
+            <a:r>
+              <a:rPr lang="en-US" dirty="0"/>
+              <a:t> your neighbor, then you will not even </a:t>
             </a:r>
             <a:r>
               <a:rPr lang="en-US" i="1" dirty="0"/>
@@ -9728,7 +10856,7 @@
             </a:r>
             <a:r>
               <a:rPr lang="en-US" dirty="0"/>
-              <a:t> and desires (murder, adultery, theft), covetousness deals with </a:t>
+              <a:t> (murder, adultery, theft), covetousness deals with </a:t>
             </a:r>
             <a:r>
               <a:rPr lang="en-US" b="1" dirty="0"/>
@@ -10236,7 +11364,7 @@
 </file>
 
 <file path=ppt/slides/slide9.xml><?xml version="1.0" encoding="utf-8"?>
-<p:sld xmlns:a="http://schemas.openxmlformats.org/drawingml/2006/main" xmlns:r="http://schemas.openxmlformats.org/officeDocument/2006/relationships" xmlns:p="http://schemas.openxmlformats.org/presentationml/2006/main">
+<p:sld xmlns:a="http://schemas.openxmlformats.org/drawingml/2006/main" xmlns:r="http://schemas.openxmlformats.org/officeDocument/2006/relationships" xmlns:p="http://schemas.openxmlformats.org/presentationml/2006/main" show="0">
   <p:cSld>
     <p:spTree>
       <p:nvGrpSpPr>
@@ -10257,7 +11385,7 @@
           <p:cNvPr id="2" name="Title 1">
             <a:extLst>
               <a:ext uri="{FF2B5EF4-FFF2-40B4-BE49-F238E27FC236}">
-                <a16:creationId xmlns:a16="http://schemas.microsoft.com/office/drawing/2014/main" id="{8E6A6A06-D099-40E3-B5D9-8A9E432B87F4}"/>
+                <a16:creationId xmlns:a16="http://schemas.microsoft.com/office/drawing/2014/main" id="{5892C48E-639D-4A62-9256-CB4CF844C9FF}"/>
               </a:ext>
             </a:extLst>
           </p:cNvPr>
@@ -10276,7 +11404,7 @@
             <a:pPr algn="ctr"/>
             <a:r>
               <a:rPr lang="en-US" dirty="0"/>
-              <a:t>Coveting was the first sin</a:t>
+              <a:t>Some examples </a:t>
             </a:r>
           </a:p>
         </p:txBody>
@@ -10286,7 +11414,7 @@
           <p:cNvPr id="3" name="Content Placeholder 2">
             <a:extLst>
               <a:ext uri="{FF2B5EF4-FFF2-40B4-BE49-F238E27FC236}">
-                <a16:creationId xmlns:a16="http://schemas.microsoft.com/office/drawing/2014/main" id="{4466CF20-FF58-49E7-8BDE-01BEDF891DCA}"/>
+                <a16:creationId xmlns:a16="http://schemas.microsoft.com/office/drawing/2014/main" id="{E854BE58-31F4-4225-B362-ACEC96DF0E22}"/>
               </a:ext>
             </a:extLst>
           </p:cNvPr>
@@ -10304,357 +11432,49 @@
           <a:p>
             <a:r>
               <a:rPr lang="en-US" dirty="0"/>
-              <a:t>“So when the woman </a:t>
+              <a:t>“You have heard that it was said to those of old, ‘You shall not murder, and whoever murders will be in danger of the judgment.’ But I say to you that </a:t>
             </a:r>
             <a:r>
               <a:rPr lang="en-US" b="1" dirty="0"/>
-              <a:t>saw</a:t>
-            </a:r>
-            <a:r>
-              <a:rPr lang="en-US" dirty="0"/>
-              <a:t> that the tree was good for food, that it was </a:t>
+              <a:t>whoever is angry with his brother without a cause</a:t>
+            </a:r>
+            <a:r>
+              <a:rPr lang="en-US" dirty="0"/>
+              <a:t> shall be in danger of the judgment. And </a:t>
             </a:r>
             <a:r>
               <a:rPr lang="en-US" b="1" dirty="0"/>
-              <a:t>pleasant</a:t>
-            </a:r>
-            <a:r>
-              <a:rPr lang="en-US" dirty="0"/>
-              <a:t> to the eyes, and a tree </a:t>
-            </a:r>
-            <a:r>
-              <a:rPr lang="en-US" b="1" dirty="0"/>
-              <a:t>desirable</a:t>
-            </a:r>
-            <a:r>
-              <a:rPr lang="en-US" dirty="0"/>
-              <a:t> to make one wise, she took of its fruit and ate.” (Genesis 3:6)</a:t>
-            </a:r>
-          </a:p>
-          <a:p>
-            <a:r>
-              <a:rPr lang="en-US" dirty="0"/>
-              <a:t>The very first sin began with coveting, then led on to</a:t>
-            </a:r>
-          </a:p>
-          <a:p>
-            <a:pPr lvl="1"/>
-            <a:r>
-              <a:rPr lang="en-US" dirty="0"/>
-              <a:t>Theft (eating the fruit)</a:t>
-            </a:r>
-          </a:p>
-          <a:p>
-            <a:pPr lvl="1"/>
-            <a:r>
-              <a:rPr lang="en-US" dirty="0"/>
-              <a:t>Lying (they believed the serpent’s lie)</a:t>
-            </a:r>
-          </a:p>
-          <a:p>
-            <a:pPr lvl="1"/>
-            <a:r>
-              <a:rPr lang="en-US" dirty="0"/>
-              <a:t>Murder (on that day dying you shall die)</a:t>
-            </a:r>
-          </a:p>
-          <a:p>
-            <a:pPr lvl="1"/>
-            <a:r>
-              <a:rPr lang="en-US" dirty="0"/>
-              <a:t>…</a:t>
-            </a:r>
-          </a:p>
-          <a:p>
-            <a:endParaRPr lang="en-US" dirty="0"/>
+              <a:t>whoever says to his brother, ‘Raca!’</a:t>
+            </a:r>
+            <a:r>
+              <a:rPr lang="en-US" dirty="0"/>
+              <a:t> shall be in danger of the council. But whoever says, ‘You fool!’ shall be in danger of hell fire.” (Matthew 5:21-22)</a:t>
+            </a:r>
+          </a:p>
+          <a:p>
+            <a:r>
+              <a:rPr lang="en-US" dirty="0"/>
+              <a:t>(Raca is similar to fool)</a:t>
+            </a:r>
+          </a:p>
+          <a:p>
+            <a:r>
+              <a:rPr lang="en-US" dirty="0"/>
+              <a:t>Emotion, feeling of the heart leads to sin</a:t>
+            </a:r>
           </a:p>
         </p:txBody>
       </p:sp>
     </p:spTree>
     <p:extLst>
       <p:ext uri="{BB962C8B-B14F-4D97-AF65-F5344CB8AC3E}">
-        <p14:creationId xmlns:p14="http://schemas.microsoft.com/office/powerpoint/2010/main" val="3858020495"/>
+        <p14:creationId xmlns:p14="http://schemas.microsoft.com/office/powerpoint/2010/main" val="2616453608"/>
       </p:ext>
     </p:extLst>
   </p:cSld>
   <p:clrMapOvr>
     <a:masterClrMapping/>
   </p:clrMapOvr>
-  <p:timing>
-    <p:tnLst>
-      <p:par>
-        <p:cTn id="1" dur="indefinite" restart="never" nodeType="tmRoot">
-          <p:childTnLst>
-            <p:seq concurrent="1" nextAc="seek">
-              <p:cTn id="2" dur="indefinite" nodeType="mainSeq">
-                <p:childTnLst>
-                  <p:par>
-                    <p:cTn id="3" fill="hold">
-                      <p:stCondLst>
-                        <p:cond delay="indefinite"/>
-                      </p:stCondLst>
-                      <p:childTnLst>
-                        <p:par>
-                          <p:cTn id="4" fill="hold">
-                            <p:stCondLst>
-                              <p:cond delay="0"/>
-                            </p:stCondLst>
-                            <p:childTnLst>
-                              <p:par>
-                                <p:cTn id="5" presetID="1" presetClass="entr" presetSubtype="0" fill="hold" nodeType="clickEffect">
-                                  <p:stCondLst>
-                                    <p:cond delay="0"/>
-                                  </p:stCondLst>
-                                  <p:childTnLst>
-                                    <p:set>
-                                      <p:cBhvr>
-                                        <p:cTn id="6" dur="1" fill="hold">
-                                          <p:stCondLst>
-                                            <p:cond delay="0"/>
-                                          </p:stCondLst>
-                                        </p:cTn>
-                                        <p:tgtEl>
-                                          <p:spTgt spid="3">
-                                            <p:txEl>
-                                              <p:pRg st="1" end="1"/>
-                                            </p:txEl>
-                                          </p:spTgt>
-                                        </p:tgtEl>
-                                        <p:attrNameLst>
-                                          <p:attrName>style.visibility</p:attrName>
-                                        </p:attrNameLst>
-                                      </p:cBhvr>
-                                      <p:to>
-                                        <p:strVal val="visible"/>
-                                      </p:to>
-                                    </p:set>
-                                  </p:childTnLst>
-                                </p:cTn>
-                              </p:par>
-                            </p:childTnLst>
-                          </p:cTn>
-                        </p:par>
-                      </p:childTnLst>
-                    </p:cTn>
-                  </p:par>
-                  <p:par>
-                    <p:cTn id="7" fill="hold">
-                      <p:stCondLst>
-                        <p:cond delay="indefinite"/>
-                      </p:stCondLst>
-                      <p:childTnLst>
-                        <p:par>
-                          <p:cTn id="8" fill="hold">
-                            <p:stCondLst>
-                              <p:cond delay="0"/>
-                            </p:stCondLst>
-                            <p:childTnLst>
-                              <p:par>
-                                <p:cTn id="9" presetID="1" presetClass="entr" presetSubtype="0" fill="hold" nodeType="clickEffect">
-                                  <p:stCondLst>
-                                    <p:cond delay="0"/>
-                                  </p:stCondLst>
-                                  <p:childTnLst>
-                                    <p:set>
-                                      <p:cBhvr>
-                                        <p:cTn id="10" dur="1" fill="hold">
-                                          <p:stCondLst>
-                                            <p:cond delay="0"/>
-                                          </p:stCondLst>
-                                        </p:cTn>
-                                        <p:tgtEl>
-                                          <p:spTgt spid="3">
-                                            <p:txEl>
-                                              <p:pRg st="2" end="2"/>
-                                            </p:txEl>
-                                          </p:spTgt>
-                                        </p:tgtEl>
-                                        <p:attrNameLst>
-                                          <p:attrName>style.visibility</p:attrName>
-                                        </p:attrNameLst>
-                                      </p:cBhvr>
-                                      <p:to>
-                                        <p:strVal val="visible"/>
-                                      </p:to>
-                                    </p:set>
-                                  </p:childTnLst>
-                                </p:cTn>
-                              </p:par>
-                            </p:childTnLst>
-                          </p:cTn>
-                        </p:par>
-                      </p:childTnLst>
-                    </p:cTn>
-                  </p:par>
-                  <p:par>
-                    <p:cTn id="11" fill="hold">
-                      <p:stCondLst>
-                        <p:cond delay="indefinite"/>
-                      </p:stCondLst>
-                      <p:childTnLst>
-                        <p:par>
-                          <p:cTn id="12" fill="hold">
-                            <p:stCondLst>
-                              <p:cond delay="0"/>
-                            </p:stCondLst>
-                            <p:childTnLst>
-                              <p:par>
-                                <p:cTn id="13" presetID="1" presetClass="entr" presetSubtype="0" fill="hold" nodeType="clickEffect">
-                                  <p:stCondLst>
-                                    <p:cond delay="0"/>
-                                  </p:stCondLst>
-                                  <p:childTnLst>
-                                    <p:set>
-                                      <p:cBhvr>
-                                        <p:cTn id="14" dur="1" fill="hold">
-                                          <p:stCondLst>
-                                            <p:cond delay="0"/>
-                                          </p:stCondLst>
-                                        </p:cTn>
-                                        <p:tgtEl>
-                                          <p:spTgt spid="3">
-                                            <p:txEl>
-                                              <p:pRg st="3" end="3"/>
-                                            </p:txEl>
-                                          </p:spTgt>
-                                        </p:tgtEl>
-                                        <p:attrNameLst>
-                                          <p:attrName>style.visibility</p:attrName>
-                                        </p:attrNameLst>
-                                      </p:cBhvr>
-                                      <p:to>
-                                        <p:strVal val="visible"/>
-                                      </p:to>
-                                    </p:set>
-                                  </p:childTnLst>
-                                </p:cTn>
-                              </p:par>
-                            </p:childTnLst>
-                          </p:cTn>
-                        </p:par>
-                      </p:childTnLst>
-                    </p:cTn>
-                  </p:par>
-                  <p:par>
-                    <p:cTn id="15" fill="hold">
-                      <p:stCondLst>
-                        <p:cond delay="indefinite"/>
-                      </p:stCondLst>
-                      <p:childTnLst>
-                        <p:par>
-                          <p:cTn id="16" fill="hold">
-                            <p:stCondLst>
-                              <p:cond delay="0"/>
-                            </p:stCondLst>
-                            <p:childTnLst>
-                              <p:par>
-                                <p:cTn id="17" presetID="1" presetClass="entr" presetSubtype="0" fill="hold" nodeType="clickEffect">
-                                  <p:stCondLst>
-                                    <p:cond delay="0"/>
-                                  </p:stCondLst>
-                                  <p:childTnLst>
-                                    <p:set>
-                                      <p:cBhvr>
-                                        <p:cTn id="18" dur="1" fill="hold">
-                                          <p:stCondLst>
-                                            <p:cond delay="0"/>
-                                          </p:stCondLst>
-                                        </p:cTn>
-                                        <p:tgtEl>
-                                          <p:spTgt spid="3">
-                                            <p:txEl>
-                                              <p:pRg st="4" end="4"/>
-                                            </p:txEl>
-                                          </p:spTgt>
-                                        </p:tgtEl>
-                                        <p:attrNameLst>
-                                          <p:attrName>style.visibility</p:attrName>
-                                        </p:attrNameLst>
-                                      </p:cBhvr>
-                                      <p:to>
-                                        <p:strVal val="visible"/>
-                                      </p:to>
-                                    </p:set>
-                                  </p:childTnLst>
-                                </p:cTn>
-                              </p:par>
-                            </p:childTnLst>
-                          </p:cTn>
-                        </p:par>
-                      </p:childTnLst>
-                    </p:cTn>
-                  </p:par>
-                  <p:par>
-                    <p:cTn id="19" fill="hold">
-                      <p:stCondLst>
-                        <p:cond delay="indefinite"/>
-                      </p:stCondLst>
-                      <p:childTnLst>
-                        <p:par>
-                          <p:cTn id="20" fill="hold">
-                            <p:stCondLst>
-                              <p:cond delay="0"/>
-                            </p:stCondLst>
-                            <p:childTnLst>
-                              <p:par>
-                                <p:cTn id="21" presetID="1" presetClass="entr" presetSubtype="0" fill="hold" nodeType="clickEffect">
-                                  <p:stCondLst>
-                                    <p:cond delay="0"/>
-                                  </p:stCondLst>
-                                  <p:childTnLst>
-                                    <p:set>
-                                      <p:cBhvr>
-                                        <p:cTn id="22" dur="1" fill="hold">
-                                          <p:stCondLst>
-                                            <p:cond delay="0"/>
-                                          </p:stCondLst>
-                                        </p:cTn>
-                                        <p:tgtEl>
-                                          <p:spTgt spid="3">
-                                            <p:txEl>
-                                              <p:pRg st="5" end="5"/>
-                                            </p:txEl>
-                                          </p:spTgt>
-                                        </p:tgtEl>
-                                        <p:attrNameLst>
-                                          <p:attrName>style.visibility</p:attrName>
-                                        </p:attrNameLst>
-                                      </p:cBhvr>
-                                      <p:to>
-                                        <p:strVal val="visible"/>
-                                      </p:to>
-                                    </p:set>
-                                  </p:childTnLst>
-                                </p:cTn>
-                              </p:par>
-                            </p:childTnLst>
-                          </p:cTn>
-                        </p:par>
-                      </p:childTnLst>
-                    </p:cTn>
-                  </p:par>
-                </p:childTnLst>
-              </p:cTn>
-              <p:prevCondLst>
-                <p:cond evt="onPrev" delay="0">
-                  <p:tgtEl>
-                    <p:sldTgt/>
-                  </p:tgtEl>
-                </p:cond>
-              </p:prevCondLst>
-              <p:nextCondLst>
-                <p:cond evt="onNext" delay="0">
-                  <p:tgtEl>
-                    <p:sldTgt/>
-                  </p:tgtEl>
-                </p:cond>
-              </p:nextCondLst>
-            </p:seq>
-          </p:childTnLst>
-        </p:cTn>
-      </p:par>
-    </p:tnLst>
-  </p:timing>
 </p:sld>
 </file>
 
